--- a/othello_game.pptx
+++ b/othello_game.pptx
@@ -545,6 +545,10 @@
           <a:bodyPr/>
           <a:lstStyle/>
           <a:p>
+            <a:r>
+              <a:rPr lang="ja-JP" altLang="en-US"/>
+              <a:t>参考程度に。</a:t>
+            </a:r>
             <a:endParaRPr lang="en-JP" dirty="0"/>
           </a:p>
         </p:txBody>
@@ -6569,7 +6573,12 @@
             <p:ph type="title"/>
           </p:nvPr>
         </p:nvSpPr>
-        <p:spPr/>
+        <p:spPr>
+          <a:xfrm>
+            <a:off x="341314" y="117565"/>
+            <a:ext cx="7886700" cy="586967"/>
+          </a:xfrm>
+        </p:spPr>
         <p:txBody>
           <a:bodyPr/>
           <a:lstStyle/>
@@ -6578,6 +6587,19 @@
               <a:rPr kumimoji="1" lang="ja-JP" altLang="en-US"/>
               <a:t>拡張機能うんぬんかんぬん</a:t>
             </a:r>
+            <a:r>
+              <a:rPr kumimoji="1" lang="en-US" altLang="ja-JP" dirty="0"/>
+              <a:t>(</a:t>
+            </a:r>
+            <a:r>
+              <a:rPr kumimoji="1" lang="ja-JP" altLang="en-US"/>
+              <a:t>参考程度</a:t>
+            </a:r>
+            <a:r>
+              <a:rPr kumimoji="1" lang="en-US" altLang="ja-JP" dirty="0"/>
+              <a:t>)</a:t>
+            </a:r>
+            <a:endParaRPr kumimoji="1" lang="ja-JP" altLang="en-US"/>
           </a:p>
         </p:txBody>
       </p:sp>
